--- a/docs/slides/2021-12-14.pptx
+++ b/docs/slides/2021-12-14.pptx
@@ -211,7 +211,7 @@
           <a:p>
             <a:fld id="{4FC4486E-5AE1-B645-9909-74F6576A640C}" type="datetimeFigureOut">
               <a:rPr lang="en-US" smtClean="0"/>
-              <a:t>12/11/21</a:t>
+              <a:t>12/16/21</a:t>
             </a:fld>
             <a:endParaRPr lang="en-US"/>
           </a:p>
@@ -625,7 +625,7 @@
           <a:p>
             <a:fld id="{51B107C3-12ED-5D42-B995-924FA1324FD4}" type="datetimeFigureOut">
               <a:rPr lang="en-US" smtClean="0"/>
-              <a:t>12/11/21</a:t>
+              <a:t>12/16/21</a:t>
             </a:fld>
             <a:endParaRPr lang="en-US"/>
           </a:p>
@@ -823,7 +823,7 @@
           <a:p>
             <a:fld id="{51B107C3-12ED-5D42-B995-924FA1324FD4}" type="datetimeFigureOut">
               <a:rPr lang="en-US" smtClean="0"/>
-              <a:t>12/11/21</a:t>
+              <a:t>12/16/21</a:t>
             </a:fld>
             <a:endParaRPr lang="en-US"/>
           </a:p>
@@ -1031,7 +1031,7 @@
           <a:p>
             <a:fld id="{51B107C3-12ED-5D42-B995-924FA1324FD4}" type="datetimeFigureOut">
               <a:rPr lang="en-US" smtClean="0"/>
-              <a:t>12/11/21</a:t>
+              <a:t>12/16/21</a:t>
             </a:fld>
             <a:endParaRPr lang="en-US"/>
           </a:p>
@@ -1229,7 +1229,7 @@
           <a:p>
             <a:fld id="{51B107C3-12ED-5D42-B995-924FA1324FD4}" type="datetimeFigureOut">
               <a:rPr lang="en-US" smtClean="0"/>
-              <a:t>12/11/21</a:t>
+              <a:t>12/16/21</a:t>
             </a:fld>
             <a:endParaRPr lang="en-US"/>
           </a:p>
@@ -1504,7 +1504,7 @@
           <a:p>
             <a:fld id="{51B107C3-12ED-5D42-B995-924FA1324FD4}" type="datetimeFigureOut">
               <a:rPr lang="en-US" smtClean="0"/>
-              <a:t>12/11/21</a:t>
+              <a:t>12/16/21</a:t>
             </a:fld>
             <a:endParaRPr lang="en-US"/>
           </a:p>
@@ -1769,7 +1769,7 @@
           <a:p>
             <a:fld id="{51B107C3-12ED-5D42-B995-924FA1324FD4}" type="datetimeFigureOut">
               <a:rPr lang="en-US" smtClean="0"/>
-              <a:t>12/11/21</a:t>
+              <a:t>12/16/21</a:t>
             </a:fld>
             <a:endParaRPr lang="en-US"/>
           </a:p>
@@ -2181,7 +2181,7 @@
           <a:p>
             <a:fld id="{51B107C3-12ED-5D42-B995-924FA1324FD4}" type="datetimeFigureOut">
               <a:rPr lang="en-US" smtClean="0"/>
-              <a:t>12/11/21</a:t>
+              <a:t>12/16/21</a:t>
             </a:fld>
             <a:endParaRPr lang="en-US"/>
           </a:p>
@@ -2322,7 +2322,7 @@
           <a:p>
             <a:fld id="{51B107C3-12ED-5D42-B995-924FA1324FD4}" type="datetimeFigureOut">
               <a:rPr lang="en-US" smtClean="0"/>
-              <a:t>12/11/21</a:t>
+              <a:t>12/16/21</a:t>
             </a:fld>
             <a:endParaRPr lang="en-US"/>
           </a:p>
@@ -2435,7 +2435,7 @@
           <a:p>
             <a:fld id="{51B107C3-12ED-5D42-B995-924FA1324FD4}" type="datetimeFigureOut">
               <a:rPr lang="en-US" smtClean="0"/>
-              <a:t>12/11/21</a:t>
+              <a:t>12/16/21</a:t>
             </a:fld>
             <a:endParaRPr lang="en-US"/>
           </a:p>
@@ -2746,7 +2746,7 @@
           <a:p>
             <a:fld id="{51B107C3-12ED-5D42-B995-924FA1324FD4}" type="datetimeFigureOut">
               <a:rPr lang="en-US" smtClean="0"/>
-              <a:t>12/11/21</a:t>
+              <a:t>12/16/21</a:t>
             </a:fld>
             <a:endParaRPr lang="en-US"/>
           </a:p>
@@ -3034,7 +3034,7 @@
           <a:p>
             <a:fld id="{51B107C3-12ED-5D42-B995-924FA1324FD4}" type="datetimeFigureOut">
               <a:rPr lang="en-US" smtClean="0"/>
-              <a:t>12/11/21</a:t>
+              <a:t>12/16/21</a:t>
             </a:fld>
             <a:endParaRPr lang="en-US"/>
           </a:p>
@@ -3275,7 +3275,7 @@
           <a:p>
             <a:fld id="{51B107C3-12ED-5D42-B995-924FA1324FD4}" type="datetimeFigureOut">
               <a:rPr lang="en-US" smtClean="0"/>
-              <a:t>12/11/21</a:t>
+              <a:t>12/16/21</a:t>
             </a:fld>
             <a:endParaRPr lang="en-US"/>
           </a:p>
